--- a/lesson09.pptx
+++ b/lesson09.pptx
@@ -5,7 +5,7 @@
     <p:sldMasterId id="2147483648" r:id="rId1"/>
   </p:sldMasterIdLst>
   <p:notesMasterIdLst>
-    <p:notesMasterId r:id="rId16"/>
+    <p:notesMasterId r:id="rId18"/>
   </p:notesMasterIdLst>
   <p:sldIdLst>
     <p:sldId id="658" r:id="rId2"/>
@@ -14,14 +14,16 @@
     <p:sldId id="637" r:id="rId5"/>
     <p:sldId id="641" r:id="rId6"/>
     <p:sldId id="656" r:id="rId7"/>
-    <p:sldId id="653" r:id="rId8"/>
-    <p:sldId id="655" r:id="rId9"/>
-    <p:sldId id="661" r:id="rId10"/>
-    <p:sldId id="626" r:id="rId11"/>
-    <p:sldId id="623" r:id="rId12"/>
-    <p:sldId id="646" r:id="rId13"/>
-    <p:sldId id="660" r:id="rId14"/>
-    <p:sldId id="647" r:id="rId15"/>
+    <p:sldId id="663" r:id="rId8"/>
+    <p:sldId id="662" r:id="rId9"/>
+    <p:sldId id="653" r:id="rId10"/>
+    <p:sldId id="655" r:id="rId11"/>
+    <p:sldId id="661" r:id="rId12"/>
+    <p:sldId id="626" r:id="rId13"/>
+    <p:sldId id="623" r:id="rId14"/>
+    <p:sldId id="646" r:id="rId15"/>
+    <p:sldId id="660" r:id="rId16"/>
+    <p:sldId id="647" r:id="rId17"/>
   </p:sldIdLst>
   <p:sldSz cx="12192000" cy="6858000"/>
   <p:notesSz cx="6858000" cy="9144000"/>
@@ -222,7 +224,7 @@
             <a:fld id="{85522811-C5C6-42D2-A409-F8556720C93F}" type="datetimeFigureOut">
               <a:rPr lang="uk-UA" smtClean="0"/>
               <a:pPr/>
-              <a:t>07.10.2020</a:t>
+              <a:t>08.10.2020</a:t>
             </a:fld>
             <a:endParaRPr lang="uk-UA" dirty="0"/>
           </a:p>
@@ -767,7 +769,7 @@
             <a:fld id="{0A2E6AC4-C3FE-4E70-88D1-136405B25267}" type="datetime1">
               <a:rPr lang="uk-UA" smtClean="0"/>
               <a:pPr/>
-              <a:t>07.10.2020</a:t>
+              <a:t>08.10.2020</a:t>
             </a:fld>
             <a:endParaRPr lang="uk-UA" dirty="0"/>
           </a:p>
@@ -934,7 +936,7 @@
             <a:fld id="{B4D85949-5AE9-41F1-B18C-DA1006B0E8CC}" type="datetime1">
               <a:rPr lang="uk-UA" smtClean="0"/>
               <a:pPr/>
-              <a:t>07.10.2020</a:t>
+              <a:t>08.10.2020</a:t>
             </a:fld>
             <a:endParaRPr lang="uk-UA" dirty="0"/>
           </a:p>
@@ -1111,7 +1113,7 @@
             <a:fld id="{B20C227C-94C5-4BA1-A89C-1C7570144B22}" type="datetime1">
               <a:rPr lang="uk-UA" smtClean="0"/>
               <a:pPr/>
-              <a:t>07.10.2020</a:t>
+              <a:t>08.10.2020</a:t>
             </a:fld>
             <a:endParaRPr lang="uk-UA" dirty="0"/>
           </a:p>
@@ -1278,7 +1280,7 @@
             <a:fld id="{68E2E168-B245-4D8D-8538-B29990DBF87B}" type="datetime1">
               <a:rPr lang="uk-UA" smtClean="0"/>
               <a:pPr/>
-              <a:t>07.10.2020</a:t>
+              <a:t>08.10.2020</a:t>
             </a:fld>
             <a:endParaRPr lang="uk-UA" dirty="0"/>
           </a:p>
@@ -1521,7 +1523,7 @@
             <a:fld id="{356DAF6E-7007-4E61-B36E-794BF232B234}" type="datetime1">
               <a:rPr lang="uk-UA" smtClean="0"/>
               <a:pPr/>
-              <a:t>07.10.2020</a:t>
+              <a:t>08.10.2020</a:t>
             </a:fld>
             <a:endParaRPr lang="uk-UA" dirty="0"/>
           </a:p>
@@ -1806,7 +1808,7 @@
             <a:fld id="{4B2141DD-FE72-44AA-B946-B70892F1F5B7}" type="datetime1">
               <a:rPr lang="uk-UA" smtClean="0"/>
               <a:pPr/>
-              <a:t>07.10.2020</a:t>
+              <a:t>08.10.2020</a:t>
             </a:fld>
             <a:endParaRPr lang="uk-UA" dirty="0"/>
           </a:p>
@@ -2225,7 +2227,7 @@
             <a:fld id="{D1C4DC7C-6CC4-4D1F-A21B-A650800E0532}" type="datetime1">
               <a:rPr lang="uk-UA" smtClean="0"/>
               <a:pPr/>
-              <a:t>07.10.2020</a:t>
+              <a:t>08.10.2020</a:t>
             </a:fld>
             <a:endParaRPr lang="uk-UA" dirty="0"/>
           </a:p>
@@ -2340,7 +2342,7 @@
             <a:fld id="{09E753FA-BE70-4E9D-A1A2-A798C2E22C2C}" type="datetime1">
               <a:rPr lang="uk-UA" smtClean="0"/>
               <a:pPr/>
-              <a:t>07.10.2020</a:t>
+              <a:t>08.10.2020</a:t>
             </a:fld>
             <a:endParaRPr lang="uk-UA" dirty="0"/>
           </a:p>
@@ -2432,7 +2434,7 @@
             <a:fld id="{BC4E9D1B-A194-48C6-B5A1-4C29D0F81227}" type="datetime1">
               <a:rPr lang="uk-UA" smtClean="0"/>
               <a:pPr/>
-              <a:t>07.10.2020</a:t>
+              <a:t>08.10.2020</a:t>
             </a:fld>
             <a:endParaRPr lang="uk-UA" dirty="0"/>
           </a:p>
@@ -2706,7 +2708,7 @@
             <a:fld id="{98DC5B78-3AEE-4E8C-84A2-DF8B252C6B7D}" type="datetime1">
               <a:rPr lang="uk-UA" smtClean="0"/>
               <a:pPr/>
-              <a:t>07.10.2020</a:t>
+              <a:t>08.10.2020</a:t>
             </a:fld>
             <a:endParaRPr lang="uk-UA" dirty="0"/>
           </a:p>
@@ -2956,7 +2958,7 @@
             <a:fld id="{08E6AC05-7690-4D29-B090-15CFA8055B58}" type="datetime1">
               <a:rPr lang="uk-UA" smtClean="0"/>
               <a:pPr/>
-              <a:t>07.10.2020</a:t>
+              <a:t>08.10.2020</a:t>
             </a:fld>
             <a:endParaRPr lang="uk-UA" dirty="0"/>
           </a:p>
@@ -3166,7 +3168,7 @@
             <a:fld id="{C4778AB5-85A2-4D58-9351-A198925B541D}" type="datetime1">
               <a:rPr lang="uk-UA" smtClean="0"/>
               <a:pPr/>
-              <a:t>07.10.2020</a:t>
+              <a:t>08.10.2020</a:t>
             </a:fld>
             <a:endParaRPr lang="uk-UA" dirty="0"/>
           </a:p>
@@ -3791,12 +3793,19 @@
           <a:chExt cx="0" cy="0"/>
         </a:xfrm>
       </p:grpSpPr>
-      <p:sp>
-        <p:nvSpPr>
-          <p:cNvPr id="5" name="Прямоугольник 4"/>
-          <p:cNvSpPr/>
+      <p:pic>
+        <p:nvPicPr>
+          <p:cNvPr id="2" name="Рисунок 1"/>
+          <p:cNvPicPr>
+            <a:picLocks noChangeAspect="1"/>
+          </p:cNvPicPr>
           <p:nvPr/>
-        </p:nvSpPr>
+        </p:nvPicPr>
+        <p:blipFill rotWithShape="1">
+          <a:blip r:embed="rId2"/>
+          <a:srcRect l="5435" t="619" r="7338" b="4850"/>
+          <a:stretch/>
+        </p:blipFill>
         <p:spPr>
           <a:xfrm>
             <a:off x="0" y="0"/>
@@ -3805,45 +3814,12 @@
           <a:prstGeom prst="rect">
             <a:avLst/>
           </a:prstGeom>
-          <a:solidFill>
-            <a:schemeClr val="tx2">
-              <a:lumMod val="75000"/>
-            </a:schemeClr>
-          </a:solidFill>
         </p:spPr>
-        <p:style>
-          <a:lnRef idx="2">
-            <a:schemeClr val="accent1">
-              <a:shade val="50000"/>
-            </a:schemeClr>
-          </a:lnRef>
-          <a:fillRef idx="1">
-            <a:schemeClr val="accent1"/>
-          </a:fillRef>
-          <a:effectRef idx="0">
-            <a:schemeClr val="accent1"/>
-          </a:effectRef>
-          <a:fontRef idx="minor">
-            <a:schemeClr val="lt1"/>
-          </a:fontRef>
-        </p:style>
-        <p:txBody>
-          <a:bodyPr rtlCol="0" anchor="ctr"/>
-          <a:lstStyle/>
-          <a:p>
-            <a:pPr algn="ctr"/>
-            <a:r>
-              <a:rPr lang="ru-RU" sz="6000" dirty="0" smtClean="0"/>
-              <a:t>Будет полезным</a:t>
-            </a:r>
-            <a:endParaRPr lang="uk-UA" sz="6000" dirty="0"/>
-          </a:p>
-        </p:txBody>
-      </p:sp>
+      </p:pic>
     </p:spTree>
     <p:extLst>
       <p:ext uri="{BB962C8B-B14F-4D97-AF65-F5344CB8AC3E}">
-        <p14:creationId xmlns:p14="http://schemas.microsoft.com/office/powerpoint/2010/main" val="2807222029"/>
+        <p14:creationId xmlns:p14="http://schemas.microsoft.com/office/powerpoint/2010/main" val="971587495"/>
       </p:ext>
     </p:extLst>
   </p:cSld>
@@ -3879,7 +3855,7 @@
       </p:grpSpPr>
       <p:sp>
         <p:nvSpPr>
-          <p:cNvPr id="52" name="Номер слайда 36"/>
+          <p:cNvPr id="6" name="Номер слайда 36"/>
           <p:cNvSpPr txBox="1">
             <a:spLocks/>
           </p:cNvSpPr>
@@ -3887,7 +3863,7 @@
         </p:nvSpPr>
         <p:spPr>
           <a:xfrm>
-            <a:off x="11130706" y="6258386"/>
+            <a:off x="11316580" y="6149915"/>
             <a:ext cx="648072" cy="432048"/>
           </a:xfrm>
           <a:prstGeom prst="roundRect">
@@ -4041,6 +4017,60 @@
           </a:p>
         </p:txBody>
       </p:sp>
+      <p:sp>
+        <p:nvSpPr>
+          <p:cNvPr id="10" name="TextBox 9"/>
+          <p:cNvSpPr txBox="1"/>
+          <p:nvPr/>
+        </p:nvSpPr>
+        <p:spPr>
+          <a:xfrm>
+            <a:off x="6312024" y="1916832"/>
+            <a:ext cx="4587446" cy="3970318"/>
+          </a:xfrm>
+          <a:prstGeom prst="rect">
+            <a:avLst/>
+          </a:prstGeom>
+          <a:noFill/>
+        </p:spPr>
+        <p:txBody>
+          <a:bodyPr wrap="square" rtlCol="0">
+            <a:spAutoFit/>
+          </a:bodyPr>
+          <a:lstStyle/>
+          <a:p>
+            <a:r>
+              <a:rPr lang="ru-RU" sz="3600" dirty="0" smtClean="0"/>
+              <a:t>Создайте макет страницы, в составе которой задействуйте </a:t>
+            </a:r>
+            <a:r>
+              <a:rPr lang="ru-RU" sz="3600" b="1" dirty="0" smtClean="0"/>
+              <a:t>созданный компонент</a:t>
+            </a:r>
+            <a:r>
+              <a:rPr lang="ru-RU" sz="3600" dirty="0" smtClean="0"/>
+              <a:t>. И также чем меньше своего </a:t>
+            </a:r>
+            <a:r>
+              <a:rPr lang="en-US" sz="3600" dirty="0" smtClean="0"/>
+              <a:t>CSS</a:t>
+            </a:r>
+            <a:r>
+              <a:rPr lang="uk-UA" sz="3600" dirty="0" smtClean="0"/>
+              <a:t>-</a:t>
+            </a:r>
+            <a:r>
+              <a:rPr lang="uk-UA" sz="3600" dirty="0" err="1" smtClean="0"/>
+              <a:t>кода</a:t>
+            </a:r>
+            <a:r>
+              <a:rPr lang="ru-RU" sz="3600" dirty="0" smtClean="0"/>
+              <a:t>, тем лучше.</a:t>
+            </a:r>
+            <a:endParaRPr lang="uk-UA" sz="3600" dirty="0"/>
+          </a:p>
+        </p:txBody>
+      </p:sp>
       <p:pic>
         <p:nvPicPr>
           <p:cNvPr id="2" name="Рисунок 1"/>
@@ -4057,62 +4087,34 @@
         </p:blipFill>
         <p:spPr>
           <a:xfrm>
-            <a:off x="0" y="0"/>
-            <a:ext cx="12192000" cy="4274771"/>
+            <a:off x="0" y="11212"/>
+            <a:ext cx="5755363" cy="6846788"/>
           </a:xfrm>
           <a:prstGeom prst="rect">
             <a:avLst/>
           </a:prstGeom>
+          <a:ln>
+            <a:noFill/>
+          </a:ln>
+          <a:effectLst>
+            <a:outerShdw blurRad="190500" algn="tl" rotWithShape="0">
+              <a:srgbClr val="000000">
+                <a:alpha val="70000"/>
+              </a:srgbClr>
+            </a:outerShdw>
+          </a:effectLst>
         </p:spPr>
       </p:pic>
       <p:sp>
         <p:nvSpPr>
-          <p:cNvPr id="8" name="Прямоугольник 7"/>
-          <p:cNvSpPr/>
+          <p:cNvPr id="3" name="TextBox 2"/>
+          <p:cNvSpPr txBox="1"/>
           <p:nvPr/>
         </p:nvSpPr>
         <p:spPr>
           <a:xfrm>
-            <a:off x="0" y="5457418"/>
-            <a:ext cx="12192000" cy="707886"/>
-          </a:xfrm>
-          <a:prstGeom prst="rect">
-            <a:avLst/>
-          </a:prstGeom>
-        </p:spPr>
-        <p:txBody>
-          <a:bodyPr wrap="square">
-            <a:spAutoFit/>
-          </a:bodyPr>
-          <a:lstStyle/>
-          <a:p>
-            <a:pPr algn="ctr"/>
-            <a:r>
-              <a:rPr lang="ru-RU" sz="4000" b="1" dirty="0">
-                <a:hlinkClick r:id="rId3"/>
-              </a:rPr>
-              <a:t>https://bootstrap-4.ru/docs/5.0</a:t>
-            </a:r>
-            <a:r>
-              <a:rPr lang="ru-RU" sz="4000" b="1" dirty="0" smtClean="0">
-                <a:hlinkClick r:id="rId3"/>
-              </a:rPr>
-              <a:t>/</a:t>
-            </a:r>
-            <a:endParaRPr lang="ru-RU" sz="4000" b="1" dirty="0"/>
-          </a:p>
-        </p:txBody>
-      </p:sp>
-      <p:sp>
-        <p:nvSpPr>
-          <p:cNvPr id="9" name="TextBox 8"/>
-          <p:cNvSpPr txBox="1"/>
-          <p:nvPr/>
-        </p:nvSpPr>
-        <p:spPr>
-          <a:xfrm>
-            <a:off x="0" y="4869160"/>
-            <a:ext cx="12192000" cy="523220"/>
+            <a:off x="6312024" y="764704"/>
+            <a:ext cx="5173211" cy="584775"/>
           </a:xfrm>
           <a:prstGeom prst="rect">
             <a:avLst/>
@@ -4120,24 +4122,23 @@
           <a:noFill/>
         </p:spPr>
         <p:txBody>
-          <a:bodyPr wrap="square" rtlCol="0">
+          <a:bodyPr wrap="none" rtlCol="0">
             <a:spAutoFit/>
           </a:bodyPr>
           <a:lstStyle/>
           <a:p>
-            <a:pPr algn="ctr"/>
-            <a:r>
-              <a:rPr lang="ru-RU" sz="2800" b="1" dirty="0" smtClean="0"/>
-              <a:t>Тем у кого сложности с английским…</a:t>
-            </a:r>
-            <a:endParaRPr lang="ru-RU" sz="2800" b="1" dirty="0"/>
+            <a:r>
+              <a:rPr lang="ru-RU" sz="3200" b="1" dirty="0" smtClean="0"/>
+              <a:t>Дополнительная сложность</a:t>
+            </a:r>
+            <a:endParaRPr lang="ru-RU" sz="3200" b="1" dirty="0"/>
           </a:p>
         </p:txBody>
       </p:sp>
     </p:spTree>
     <p:extLst>
       <p:ext uri="{BB962C8B-B14F-4D97-AF65-F5344CB8AC3E}">
-        <p14:creationId xmlns:p14="http://schemas.microsoft.com/office/powerpoint/2010/main" val="1278679325"/>
+        <p14:creationId xmlns:p14="http://schemas.microsoft.com/office/powerpoint/2010/main" val="444304670"/>
       </p:ext>
     </p:extLst>
   </p:cSld>
@@ -4213,24 +4214,17 @@
           <a:p>
             <a:pPr algn="ctr"/>
             <a:r>
-              <a:rPr lang="ru-RU" sz="6600" dirty="0"/>
-              <a:t>К следующему </a:t>
-            </a:r>
-          </a:p>
-          <a:p>
-            <a:pPr algn="ctr"/>
-            <a:r>
-              <a:rPr lang="ru-RU" sz="6600" dirty="0"/>
-              <a:t>занятию…</a:t>
-            </a:r>
-            <a:endParaRPr lang="uk-UA" sz="6600" dirty="0"/>
+              <a:rPr lang="ru-RU" sz="6000" dirty="0" smtClean="0"/>
+              <a:t>Будет полезным</a:t>
+            </a:r>
+            <a:endParaRPr lang="uk-UA" sz="6000" dirty="0"/>
           </a:p>
         </p:txBody>
       </p:sp>
     </p:spTree>
     <p:extLst>
       <p:ext uri="{BB962C8B-B14F-4D97-AF65-F5344CB8AC3E}">
-        <p14:creationId xmlns:p14="http://schemas.microsoft.com/office/powerpoint/2010/main" val="1203243425"/>
+        <p14:creationId xmlns:p14="http://schemas.microsoft.com/office/powerpoint/2010/main" val="2807222029"/>
       </p:ext>
     </p:extLst>
   </p:cSld>
@@ -4266,6 +4260,393 @@
       </p:grpSpPr>
       <p:sp>
         <p:nvSpPr>
+          <p:cNvPr id="52" name="Номер слайда 36"/>
+          <p:cNvSpPr txBox="1">
+            <a:spLocks/>
+          </p:cNvSpPr>
+          <p:nvPr/>
+        </p:nvSpPr>
+        <p:spPr>
+          <a:xfrm>
+            <a:off x="11130706" y="6258386"/>
+            <a:ext cx="648072" cy="432048"/>
+          </a:xfrm>
+          <a:prstGeom prst="roundRect">
+            <a:avLst/>
+          </a:prstGeom>
+          <a:ln w="25400" cap="flat" cmpd="sng" algn="ctr">
+            <a:solidFill>
+              <a:schemeClr val="tx2">
+                <a:lumMod val="60000"/>
+                <a:lumOff val="40000"/>
+              </a:schemeClr>
+            </a:solidFill>
+            <a:prstDash val="solid"/>
+          </a:ln>
+        </p:spPr>
+        <p:style>
+          <a:lnRef idx="2">
+            <a:schemeClr val="accent1"/>
+          </a:lnRef>
+          <a:fillRef idx="1">
+            <a:schemeClr val="lt1"/>
+          </a:fillRef>
+          <a:effectRef idx="0">
+            <a:schemeClr val="accent1"/>
+          </a:effectRef>
+          <a:fontRef idx="minor">
+            <a:schemeClr val="dk1"/>
+          </a:fontRef>
+        </p:style>
+        <p:txBody>
+          <a:bodyPr vert="horz" lIns="91440" tIns="45720" rIns="91440" bIns="45720" rtlCol="0" anchor="ctr"/>
+          <a:lstStyle>
+            <a:defPPr>
+              <a:defRPr lang="uk-UA"/>
+            </a:defPPr>
+            <a:lvl1pPr marL="0" algn="l" defTabSz="914400" rtl="0" eaLnBrk="1" latinLnBrk="0" hangingPunct="1">
+              <a:defRPr sz="1800" kern="1200">
+                <a:solidFill>
+                  <a:schemeClr val="dk1"/>
+                </a:solidFill>
+                <a:latin typeface="+mn-lt"/>
+                <a:ea typeface="+mn-ea"/>
+                <a:cs typeface="+mn-cs"/>
+              </a:defRPr>
+            </a:lvl1pPr>
+            <a:lvl2pPr marL="457200" algn="l" defTabSz="914400" rtl="0" eaLnBrk="1" latinLnBrk="0" hangingPunct="1">
+              <a:defRPr sz="1800" kern="1200">
+                <a:solidFill>
+                  <a:schemeClr val="dk1"/>
+                </a:solidFill>
+                <a:latin typeface="+mn-lt"/>
+                <a:ea typeface="+mn-ea"/>
+                <a:cs typeface="+mn-cs"/>
+              </a:defRPr>
+            </a:lvl2pPr>
+            <a:lvl3pPr marL="914400" algn="l" defTabSz="914400" rtl="0" eaLnBrk="1" latinLnBrk="0" hangingPunct="1">
+              <a:defRPr sz="1800" kern="1200">
+                <a:solidFill>
+                  <a:schemeClr val="dk1"/>
+                </a:solidFill>
+                <a:latin typeface="+mn-lt"/>
+                <a:ea typeface="+mn-ea"/>
+                <a:cs typeface="+mn-cs"/>
+              </a:defRPr>
+            </a:lvl3pPr>
+            <a:lvl4pPr marL="1371600" algn="l" defTabSz="914400" rtl="0" eaLnBrk="1" latinLnBrk="0" hangingPunct="1">
+              <a:defRPr sz="1800" kern="1200">
+                <a:solidFill>
+                  <a:schemeClr val="dk1"/>
+                </a:solidFill>
+                <a:latin typeface="+mn-lt"/>
+                <a:ea typeface="+mn-ea"/>
+                <a:cs typeface="+mn-cs"/>
+              </a:defRPr>
+            </a:lvl4pPr>
+            <a:lvl5pPr marL="1828800" algn="l" defTabSz="914400" rtl="0" eaLnBrk="1" latinLnBrk="0" hangingPunct="1">
+              <a:defRPr sz="1800" kern="1200">
+                <a:solidFill>
+                  <a:schemeClr val="dk1"/>
+                </a:solidFill>
+                <a:latin typeface="+mn-lt"/>
+                <a:ea typeface="+mn-ea"/>
+                <a:cs typeface="+mn-cs"/>
+              </a:defRPr>
+            </a:lvl5pPr>
+            <a:lvl6pPr marL="2286000" algn="l" defTabSz="914400" rtl="0" eaLnBrk="1" latinLnBrk="0" hangingPunct="1">
+              <a:defRPr sz="1800" kern="1200">
+                <a:solidFill>
+                  <a:schemeClr val="dk1"/>
+                </a:solidFill>
+                <a:latin typeface="+mn-lt"/>
+                <a:ea typeface="+mn-ea"/>
+                <a:cs typeface="+mn-cs"/>
+              </a:defRPr>
+            </a:lvl6pPr>
+            <a:lvl7pPr marL="2743200" algn="l" defTabSz="914400" rtl="0" eaLnBrk="1" latinLnBrk="0" hangingPunct="1">
+              <a:defRPr sz="1800" kern="1200">
+                <a:solidFill>
+                  <a:schemeClr val="dk1"/>
+                </a:solidFill>
+                <a:latin typeface="+mn-lt"/>
+                <a:ea typeface="+mn-ea"/>
+                <a:cs typeface="+mn-cs"/>
+              </a:defRPr>
+            </a:lvl7pPr>
+            <a:lvl8pPr marL="3200400" algn="l" defTabSz="914400" rtl="0" eaLnBrk="1" latinLnBrk="0" hangingPunct="1">
+              <a:defRPr sz="1800" kern="1200">
+                <a:solidFill>
+                  <a:schemeClr val="dk1"/>
+                </a:solidFill>
+                <a:latin typeface="+mn-lt"/>
+                <a:ea typeface="+mn-ea"/>
+                <a:cs typeface="+mn-cs"/>
+              </a:defRPr>
+            </a:lvl8pPr>
+            <a:lvl9pPr marL="3657600" algn="l" defTabSz="914400" rtl="0" eaLnBrk="1" latinLnBrk="0" hangingPunct="1">
+              <a:defRPr sz="1800" kern="1200">
+                <a:solidFill>
+                  <a:schemeClr val="dk1"/>
+                </a:solidFill>
+                <a:latin typeface="+mn-lt"/>
+                <a:ea typeface="+mn-ea"/>
+                <a:cs typeface="+mn-cs"/>
+              </a:defRPr>
+            </a:lvl9pPr>
+          </a:lstStyle>
+          <a:p>
+            <a:pPr algn="ctr">
+              <a:defRPr/>
+            </a:pPr>
+            <a:fld id="{6389AA22-90B4-448C-8B6B-C699140D38B9}" type="slidenum">
+              <a:rPr lang="uk-UA" sz="2400" b="1">
+                <a:solidFill>
+                  <a:schemeClr val="bg1">
+                    <a:lumMod val="50000"/>
+                  </a:schemeClr>
+                </a:solidFill>
+              </a:rPr>
+              <a:pPr algn="ctr">
+                <a:defRPr/>
+              </a:pPr>
+              <a:t>13</a:t>
+            </a:fld>
+            <a:endParaRPr lang="uk-UA" sz="2400" b="1" dirty="0">
+              <a:solidFill>
+                <a:schemeClr val="bg1">
+                  <a:lumMod val="50000"/>
+                </a:schemeClr>
+              </a:solidFill>
+            </a:endParaRPr>
+          </a:p>
+        </p:txBody>
+      </p:sp>
+      <p:pic>
+        <p:nvPicPr>
+          <p:cNvPr id="2" name="Рисунок 1"/>
+          <p:cNvPicPr>
+            <a:picLocks noChangeAspect="1"/>
+          </p:cNvPicPr>
+          <p:nvPr/>
+        </p:nvPicPr>
+        <p:blipFill>
+          <a:blip r:embed="rId2"/>
+          <a:stretch>
+            <a:fillRect/>
+          </a:stretch>
+        </p:blipFill>
+        <p:spPr>
+          <a:xfrm>
+            <a:off x="0" y="0"/>
+            <a:ext cx="12192000" cy="4274771"/>
+          </a:xfrm>
+          <a:prstGeom prst="rect">
+            <a:avLst/>
+          </a:prstGeom>
+        </p:spPr>
+      </p:pic>
+      <p:sp>
+        <p:nvSpPr>
+          <p:cNvPr id="8" name="Прямоугольник 7"/>
+          <p:cNvSpPr/>
+          <p:nvPr/>
+        </p:nvSpPr>
+        <p:spPr>
+          <a:xfrm>
+            <a:off x="0" y="5457418"/>
+            <a:ext cx="12192000" cy="707886"/>
+          </a:xfrm>
+          <a:prstGeom prst="rect">
+            <a:avLst/>
+          </a:prstGeom>
+        </p:spPr>
+        <p:txBody>
+          <a:bodyPr wrap="square">
+            <a:spAutoFit/>
+          </a:bodyPr>
+          <a:lstStyle/>
+          <a:p>
+            <a:pPr algn="ctr"/>
+            <a:r>
+              <a:rPr lang="ru-RU" sz="4000" b="1" dirty="0">
+                <a:hlinkClick r:id="rId3"/>
+              </a:rPr>
+              <a:t>https://bootstrap-4.ru/docs/5.0</a:t>
+            </a:r>
+            <a:r>
+              <a:rPr lang="ru-RU" sz="4000" b="1" dirty="0" smtClean="0">
+                <a:hlinkClick r:id="rId3"/>
+              </a:rPr>
+              <a:t>/</a:t>
+            </a:r>
+            <a:endParaRPr lang="ru-RU" sz="4000" b="1" dirty="0"/>
+          </a:p>
+        </p:txBody>
+      </p:sp>
+      <p:sp>
+        <p:nvSpPr>
+          <p:cNvPr id="9" name="TextBox 8"/>
+          <p:cNvSpPr txBox="1"/>
+          <p:nvPr/>
+        </p:nvSpPr>
+        <p:spPr>
+          <a:xfrm>
+            <a:off x="0" y="4869160"/>
+            <a:ext cx="12192000" cy="523220"/>
+          </a:xfrm>
+          <a:prstGeom prst="rect">
+            <a:avLst/>
+          </a:prstGeom>
+          <a:noFill/>
+        </p:spPr>
+        <p:txBody>
+          <a:bodyPr wrap="square" rtlCol="0">
+            <a:spAutoFit/>
+          </a:bodyPr>
+          <a:lstStyle/>
+          <a:p>
+            <a:pPr algn="ctr"/>
+            <a:r>
+              <a:rPr lang="ru-RU" sz="2800" b="1" dirty="0" smtClean="0"/>
+              <a:t>Тем у кого сложности с английским…</a:t>
+            </a:r>
+            <a:endParaRPr lang="ru-RU" sz="2800" b="1" dirty="0"/>
+          </a:p>
+        </p:txBody>
+      </p:sp>
+    </p:spTree>
+    <p:extLst>
+      <p:ext uri="{BB962C8B-B14F-4D97-AF65-F5344CB8AC3E}">
+        <p14:creationId xmlns:p14="http://schemas.microsoft.com/office/powerpoint/2010/main" val="1278679325"/>
+      </p:ext>
+    </p:extLst>
+  </p:cSld>
+  <p:clrMapOvr>
+    <a:masterClrMapping/>
+  </p:clrMapOvr>
+  <p:timing>
+    <p:tnLst>
+      <p:par>
+        <p:cTn id="1" dur="indefinite" restart="never" nodeType="tmRoot"/>
+      </p:par>
+    </p:tnLst>
+  </p:timing>
+</p:sld>
+</file>
+
+<file path=ppt/slides/slide14.xml><?xml version="1.0" encoding="utf-8"?>
+<p:sld xmlns:a="http://schemas.openxmlformats.org/drawingml/2006/main" xmlns:r="http://schemas.openxmlformats.org/officeDocument/2006/relationships" xmlns:p="http://schemas.openxmlformats.org/presentationml/2006/main">
+  <p:cSld>
+    <p:spTree>
+      <p:nvGrpSpPr>
+        <p:cNvPr id="1" name=""/>
+        <p:cNvGrpSpPr/>
+        <p:nvPr/>
+      </p:nvGrpSpPr>
+      <p:grpSpPr>
+        <a:xfrm>
+          <a:off x="0" y="0"/>
+          <a:ext cx="0" cy="0"/>
+          <a:chOff x="0" y="0"/>
+          <a:chExt cx="0" cy="0"/>
+        </a:xfrm>
+      </p:grpSpPr>
+      <p:sp>
+        <p:nvSpPr>
+          <p:cNvPr id="5" name="Прямоугольник 4"/>
+          <p:cNvSpPr/>
+          <p:nvPr/>
+        </p:nvSpPr>
+        <p:spPr>
+          <a:xfrm>
+            <a:off x="0" y="0"/>
+            <a:ext cx="12192000" cy="6858000"/>
+          </a:xfrm>
+          <a:prstGeom prst="rect">
+            <a:avLst/>
+          </a:prstGeom>
+          <a:solidFill>
+            <a:schemeClr val="tx2">
+              <a:lumMod val="75000"/>
+            </a:schemeClr>
+          </a:solidFill>
+        </p:spPr>
+        <p:style>
+          <a:lnRef idx="2">
+            <a:schemeClr val="accent1">
+              <a:shade val="50000"/>
+            </a:schemeClr>
+          </a:lnRef>
+          <a:fillRef idx="1">
+            <a:schemeClr val="accent1"/>
+          </a:fillRef>
+          <a:effectRef idx="0">
+            <a:schemeClr val="accent1"/>
+          </a:effectRef>
+          <a:fontRef idx="minor">
+            <a:schemeClr val="lt1"/>
+          </a:fontRef>
+        </p:style>
+        <p:txBody>
+          <a:bodyPr rtlCol="0" anchor="ctr"/>
+          <a:lstStyle/>
+          <a:p>
+            <a:pPr algn="ctr"/>
+            <a:r>
+              <a:rPr lang="ru-RU" sz="6600" dirty="0"/>
+              <a:t>К следующему </a:t>
+            </a:r>
+          </a:p>
+          <a:p>
+            <a:pPr algn="ctr"/>
+            <a:r>
+              <a:rPr lang="ru-RU" sz="6600" dirty="0"/>
+              <a:t>занятию…</a:t>
+            </a:r>
+            <a:endParaRPr lang="uk-UA" sz="6600" dirty="0"/>
+          </a:p>
+        </p:txBody>
+      </p:sp>
+    </p:spTree>
+    <p:extLst>
+      <p:ext uri="{BB962C8B-B14F-4D97-AF65-F5344CB8AC3E}">
+        <p14:creationId xmlns:p14="http://schemas.microsoft.com/office/powerpoint/2010/main" val="1203243425"/>
+      </p:ext>
+    </p:extLst>
+  </p:cSld>
+  <p:clrMapOvr>
+    <a:masterClrMapping/>
+  </p:clrMapOvr>
+  <p:timing>
+    <p:tnLst>
+      <p:par>
+        <p:cTn id="1" dur="indefinite" restart="never" nodeType="tmRoot"/>
+      </p:par>
+    </p:tnLst>
+  </p:timing>
+</p:sld>
+</file>
+
+<file path=ppt/slides/slide15.xml><?xml version="1.0" encoding="utf-8"?>
+<p:sld xmlns:a="http://schemas.openxmlformats.org/drawingml/2006/main" xmlns:r="http://schemas.openxmlformats.org/officeDocument/2006/relationships" xmlns:p="http://schemas.openxmlformats.org/presentationml/2006/main">
+  <p:cSld>
+    <p:spTree>
+      <p:nvGrpSpPr>
+        <p:cNvPr id="1" name=""/>
+        <p:cNvGrpSpPr/>
+        <p:nvPr/>
+      </p:nvGrpSpPr>
+      <p:grpSpPr>
+        <a:xfrm>
+          <a:off x="0" y="0"/>
+          <a:ext cx="0" cy="0"/>
+          <a:chOff x="0" y="0"/>
+          <a:chExt cx="0" cy="0"/>
+        </a:xfrm>
+      </p:grpSpPr>
+      <p:sp>
+        <p:nvSpPr>
           <p:cNvPr id="8" name="Номер слайда 36"/>
           <p:cNvSpPr txBox="1">
             <a:spLocks/>
@@ -4322,7 +4703,7 @@
               <a:pPr algn="ctr">
                 <a:defRPr/>
               </a:pPr>
-              <a:t>13</a:t>
+              <a:t>15</a:t>
             </a:fld>
             <a:endParaRPr lang="uk-UA" sz="2400" b="1" dirty="0">
               <a:solidFill>
@@ -4483,7 +4864,7 @@
 </p:sld>
 </file>
 
-<file path=ppt/slides/slide14.xml><?xml version="1.0" encoding="utf-8"?>
+<file path=ppt/slides/slide16.xml><?xml version="1.0" encoding="utf-8"?>
 <p:sld xmlns:a="http://schemas.openxmlformats.org/drawingml/2006/main" xmlns:r="http://schemas.openxmlformats.org/officeDocument/2006/relationships" xmlns:p="http://schemas.openxmlformats.org/presentationml/2006/main">
   <p:cSld>
     <p:spTree>
@@ -4558,7 +4939,7 @@
               <a:pPr algn="ctr">
                 <a:defRPr/>
               </a:pPr>
-              <a:t>14</a:t>
+              <a:t>16</a:t>
             </a:fld>
             <a:endParaRPr lang="uk-UA" sz="2400" b="1" dirty="0">
               <a:solidFill>
@@ -5787,7 +6168,7 @@
             <a:pPr algn="ctr"/>
             <a:r>
               <a:rPr lang="ru-RU" sz="6000" dirty="0" smtClean="0"/>
-              <a:t>Домашнее задание</a:t>
+              <a:t>Немного практики</a:t>
             </a:r>
             <a:endParaRPr lang="uk-UA" sz="6000" dirty="0"/>
           </a:p>
@@ -5832,7 +6213,7 @@
       </p:grpSpPr>
       <p:sp>
         <p:nvSpPr>
-          <p:cNvPr id="6" name="Номер слайда 36"/>
+          <p:cNvPr id="52" name="Номер слайда 36"/>
           <p:cNvSpPr txBox="1">
             <a:spLocks/>
           </p:cNvSpPr>
@@ -5840,7 +6221,7 @@
         </p:nvSpPr>
         <p:spPr>
           <a:xfrm>
-            <a:off x="11316580" y="6149915"/>
+            <a:off x="11172564" y="6091033"/>
             <a:ext cx="648072" cy="432048"/>
           </a:xfrm>
           <a:prstGeom prst="roundRect">
@@ -5994,21 +6375,58 @@
           </a:p>
         </p:txBody>
       </p:sp>
-      <p:sp>
-        <p:nvSpPr>
-          <p:cNvPr id="10" name="TextBox 9"/>
+      <p:pic>
+        <p:nvPicPr>
+          <p:cNvPr id="4" name="Рисунок 3"/>
+          <p:cNvPicPr>
+            <a:picLocks noChangeAspect="1"/>
+          </p:cNvPicPr>
+          <p:nvPr/>
+        </p:nvPicPr>
+        <p:blipFill>
+          <a:blip r:embed="rId2"/>
+          <a:stretch>
+            <a:fillRect/>
+          </a:stretch>
+        </p:blipFill>
+        <p:spPr>
+          <a:xfrm>
+            <a:off x="1563" y="44624"/>
+            <a:ext cx="6222990" cy="6813376"/>
+          </a:xfrm>
+          <a:prstGeom prst="rect">
+            <a:avLst/>
+          </a:prstGeom>
+        </p:spPr>
+      </p:pic>
+      <p:sp>
+        <p:nvSpPr>
+          <p:cNvPr id="2" name="TextBox 1"/>
           <p:cNvSpPr txBox="1"/>
           <p:nvPr/>
         </p:nvSpPr>
         <p:spPr>
-          <a:xfrm>
-            <a:off x="1631504" y="2276872"/>
-            <a:ext cx="9685076" cy="1938992"/>
+          <a:xfrm rot="1348071">
+            <a:off x="6190079" y="3066591"/>
+            <a:ext cx="4782256" cy="769441"/>
           </a:xfrm>
           <a:prstGeom prst="rect">
             <a:avLst/>
           </a:prstGeom>
           <a:noFill/>
+          <a:ln w="38100">
+            <a:solidFill>
+              <a:srgbClr val="FF0000"/>
+            </a:solidFill>
+            <a:prstDash val="dash"/>
+          </a:ln>
+          <a:effectLst>
+            <a:outerShdw blurRad="50800" dist="38100" dir="13500000" algn="br" rotWithShape="0">
+              <a:prstClr val="black">
+                <a:alpha val="40000"/>
+              </a:prstClr>
+            </a:outerShdw>
+          </a:effectLst>
         </p:spPr>
         <p:txBody>
           <a:bodyPr wrap="square" rtlCol="0">
@@ -6016,86 +6434,62 @@
           </a:bodyPr>
           <a:lstStyle/>
           <a:p>
-            <a:r>
-              <a:rPr lang="ru-RU" sz="4000" dirty="0" smtClean="0"/>
-              <a:t>Создайте</a:t>
-            </a:r>
-            <a:r>
-              <a:rPr lang="en-US" sz="4000" dirty="0" smtClean="0"/>
-              <a:t> </a:t>
-            </a:r>
-            <a:r>
-              <a:rPr lang="ru-RU" sz="4000" dirty="0" smtClean="0"/>
-              <a:t>компонент по макету, используя</a:t>
-            </a:r>
-            <a:r>
-              <a:rPr lang="en-US" sz="4000" dirty="0" smtClean="0"/>
-              <a:t> </a:t>
-            </a:r>
-            <a:r>
-              <a:rPr lang="en-US" sz="4000" b="1" dirty="0" err="1" smtClean="0"/>
-              <a:t>Bootstap</a:t>
-            </a:r>
-            <a:r>
-              <a:rPr lang="en-US" sz="4000" dirty="0" smtClean="0"/>
-              <a:t> </a:t>
-            </a:r>
-            <a:r>
-              <a:rPr lang="ru-RU" sz="4000" dirty="0" smtClean="0"/>
-              <a:t>и его компонент </a:t>
-            </a:r>
-            <a:r>
-              <a:rPr lang="en-US" sz="4000" b="1" dirty="0" smtClean="0"/>
-              <a:t>Card</a:t>
-            </a:r>
-            <a:r>
-              <a:rPr lang="ru-RU" sz="4000" b="1" dirty="0"/>
-              <a:t>,</a:t>
-            </a:r>
-            <a:r>
-              <a:rPr lang="uk-UA" sz="4000" b="1" dirty="0" smtClean="0"/>
-              <a:t> </a:t>
-            </a:r>
-            <a:r>
-              <a:rPr lang="ru-RU" sz="4000" dirty="0" smtClean="0"/>
-              <a:t>чем</a:t>
-            </a:r>
-            <a:r>
-              <a:rPr lang="uk-UA" sz="4000" dirty="0" smtClean="0"/>
-              <a:t> менше </a:t>
-            </a:r>
-            <a:r>
-              <a:rPr lang="ru-RU" sz="4000" dirty="0" smtClean="0"/>
-              <a:t>будет</a:t>
-            </a:r>
-            <a:r>
-              <a:rPr lang="uk-UA" sz="4000" dirty="0" smtClean="0"/>
-              <a:t> </a:t>
-            </a:r>
-            <a:r>
-              <a:rPr lang="ru-RU" sz="4000" dirty="0" smtClean="0"/>
-              <a:t>своего</a:t>
-            </a:r>
-            <a:r>
-              <a:rPr lang="uk-UA" sz="4000" dirty="0" smtClean="0"/>
-              <a:t> </a:t>
-            </a:r>
-            <a:r>
-              <a:rPr lang="en-US" sz="4000" dirty="0" smtClean="0"/>
-              <a:t>CSS</a:t>
-            </a:r>
-            <a:r>
-              <a:rPr lang="ru-RU" sz="4000" dirty="0" smtClean="0"/>
-              <a:t>-кода, тем лучше.</a:t>
-            </a:r>
-            <a:endParaRPr lang="uk-UA" sz="4000" dirty="0"/>
+            <a:pPr algn="ctr"/>
+            <a:r>
+              <a:rPr lang="ru-RU" sz="4400" b="1" dirty="0" smtClean="0">
+                <a:ln w="22225">
+                  <a:solidFill>
+                    <a:schemeClr val="accent2"/>
+                  </a:solidFill>
+                  <a:prstDash val="solid"/>
+                </a:ln>
+                <a:solidFill>
+                  <a:schemeClr val="accent2">
+                    <a:lumMod val="40000"/>
+                    <a:lumOff val="60000"/>
+                  </a:schemeClr>
+                </a:solidFill>
+              </a:rPr>
+              <a:t>Теперь с </a:t>
+            </a:r>
+            <a:r>
+              <a:rPr lang="en-US" sz="4400" b="1" dirty="0" smtClean="0">
+                <a:ln w="22225">
+                  <a:solidFill>
+                    <a:schemeClr val="accent2"/>
+                  </a:solidFill>
+                  <a:prstDash val="solid"/>
+                </a:ln>
+                <a:solidFill>
+                  <a:schemeClr val="accent2">
+                    <a:lumMod val="40000"/>
+                    <a:lumOff val="60000"/>
+                  </a:schemeClr>
+                </a:solidFill>
+              </a:rPr>
+              <a:t>Bootstrap</a:t>
+            </a:r>
+            <a:endParaRPr lang="ru-RU" sz="4400" b="1" dirty="0">
+              <a:ln w="22225">
+                <a:solidFill>
+                  <a:schemeClr val="accent2"/>
+                </a:solidFill>
+                <a:prstDash val="solid"/>
+              </a:ln>
+              <a:solidFill>
+                <a:schemeClr val="accent2">
+                  <a:lumMod val="40000"/>
+                  <a:lumOff val="60000"/>
+                </a:schemeClr>
+              </a:solidFill>
+            </a:endParaRPr>
           </a:p>
         </p:txBody>
       </p:sp>
     </p:spTree>
     <p:extLst>
       <p:ext uri="{BB962C8B-B14F-4D97-AF65-F5344CB8AC3E}">
-        <p14:creationId xmlns:p14="http://schemas.microsoft.com/office/powerpoint/2010/main" val="1243008143"/>
+        <p14:creationId xmlns:p14="http://schemas.microsoft.com/office/powerpoint/2010/main" val="407692898"/>
       </p:ext>
     </p:extLst>
   </p:cSld>
@@ -6129,19 +6523,12 @@
           <a:chExt cx="0" cy="0"/>
         </a:xfrm>
       </p:grpSpPr>
-      <p:pic>
-        <p:nvPicPr>
-          <p:cNvPr id="2" name="Рисунок 1"/>
-          <p:cNvPicPr>
-            <a:picLocks noChangeAspect="1"/>
-          </p:cNvPicPr>
+      <p:sp>
+        <p:nvSpPr>
+          <p:cNvPr id="5" name="Прямоугольник 4"/>
+          <p:cNvSpPr/>
           <p:nvPr/>
-        </p:nvPicPr>
-        <p:blipFill rotWithShape="1">
-          <a:blip r:embed="rId2"/>
-          <a:srcRect l="5435" t="619" r="7338" b="4850"/>
-          <a:stretch/>
-        </p:blipFill>
+        </p:nvSpPr>
         <p:spPr>
           <a:xfrm>
             <a:off x="0" y="0"/>
@@ -6150,12 +6537,45 @@
           <a:prstGeom prst="rect">
             <a:avLst/>
           </a:prstGeom>
+          <a:solidFill>
+            <a:schemeClr val="tx2">
+              <a:lumMod val="75000"/>
+            </a:schemeClr>
+          </a:solidFill>
         </p:spPr>
-      </p:pic>
+        <p:style>
+          <a:lnRef idx="2">
+            <a:schemeClr val="accent1">
+              <a:shade val="50000"/>
+            </a:schemeClr>
+          </a:lnRef>
+          <a:fillRef idx="1">
+            <a:schemeClr val="accent1"/>
+          </a:fillRef>
+          <a:effectRef idx="0">
+            <a:schemeClr val="accent1"/>
+          </a:effectRef>
+          <a:fontRef idx="minor">
+            <a:schemeClr val="lt1"/>
+          </a:fontRef>
+        </p:style>
+        <p:txBody>
+          <a:bodyPr rtlCol="0" anchor="ctr"/>
+          <a:lstStyle/>
+          <a:p>
+            <a:pPr algn="ctr"/>
+            <a:r>
+              <a:rPr lang="ru-RU" sz="6000" dirty="0" smtClean="0"/>
+              <a:t>Домашнее задание</a:t>
+            </a:r>
+            <a:endParaRPr lang="uk-UA" sz="6000" dirty="0"/>
+          </a:p>
+        </p:txBody>
+      </p:sp>
     </p:spTree>
     <p:extLst>
       <p:ext uri="{BB962C8B-B14F-4D97-AF65-F5344CB8AC3E}">
-        <p14:creationId xmlns:p14="http://schemas.microsoft.com/office/powerpoint/2010/main" val="971587495"/>
+        <p14:creationId xmlns:p14="http://schemas.microsoft.com/office/powerpoint/2010/main" val="636097053"/>
       </p:ext>
     </p:extLst>
   </p:cSld>
@@ -6361,8 +6781,8 @@
         </p:nvSpPr>
         <p:spPr>
           <a:xfrm>
-            <a:off x="6312024" y="1916832"/>
-            <a:ext cx="4587446" cy="3970318"/>
+            <a:off x="1631504" y="2276872"/>
+            <a:ext cx="9685076" cy="1938992"/>
           </a:xfrm>
           <a:prstGeom prst="rect">
             <a:avLst/>
@@ -6376,105 +6796,85 @@
           <a:lstStyle/>
           <a:p>
             <a:r>
-              <a:rPr lang="ru-RU" sz="3600" dirty="0" smtClean="0"/>
-              <a:t>Создайте макет страницы, в составе которой задействуйте </a:t>
-            </a:r>
-            <a:r>
-              <a:rPr lang="ru-RU" sz="3600" b="1" dirty="0" smtClean="0"/>
-              <a:t>созданный компонент</a:t>
-            </a:r>
-            <a:r>
-              <a:rPr lang="ru-RU" sz="3600" dirty="0" smtClean="0"/>
-              <a:t>. И также чем меньше своего </a:t>
-            </a:r>
-            <a:r>
-              <a:rPr lang="en-US" sz="3600" dirty="0" smtClean="0"/>
+              <a:rPr lang="ru-RU" sz="4000" dirty="0" smtClean="0"/>
+              <a:t>Создайте</a:t>
+            </a:r>
+            <a:r>
+              <a:rPr lang="en-US" sz="4000" dirty="0" smtClean="0"/>
+              <a:t> </a:t>
+            </a:r>
+            <a:r>
+              <a:rPr lang="ru-RU" sz="4000" dirty="0" smtClean="0"/>
+              <a:t>компонент по макету, используя</a:t>
+            </a:r>
+            <a:r>
+              <a:rPr lang="en-US" sz="4000" dirty="0" smtClean="0"/>
+              <a:t> </a:t>
+            </a:r>
+            <a:r>
+              <a:rPr lang="en-US" sz="4000" b="1" dirty="0" err="1" smtClean="0"/>
+              <a:t>Bootstap</a:t>
+            </a:r>
+            <a:r>
+              <a:rPr lang="en-US" sz="4000" dirty="0" smtClean="0"/>
+              <a:t> </a:t>
+            </a:r>
+            <a:r>
+              <a:rPr lang="ru-RU" sz="4000" dirty="0" smtClean="0"/>
+              <a:t>и его компонент </a:t>
+            </a:r>
+            <a:r>
+              <a:rPr lang="en-US" sz="4000" b="1" dirty="0" smtClean="0"/>
+              <a:t>Card</a:t>
+            </a:r>
+            <a:r>
+              <a:rPr lang="ru-RU" sz="4000" b="1" dirty="0"/>
+              <a:t>,</a:t>
+            </a:r>
+            <a:r>
+              <a:rPr lang="uk-UA" sz="4000" b="1" dirty="0" smtClean="0"/>
+              <a:t> </a:t>
+            </a:r>
+            <a:r>
+              <a:rPr lang="ru-RU" sz="4000" dirty="0" smtClean="0"/>
+              <a:t>чем</a:t>
+            </a:r>
+            <a:r>
+              <a:rPr lang="uk-UA" sz="4000" dirty="0" smtClean="0"/>
+              <a:t> менше </a:t>
+            </a:r>
+            <a:r>
+              <a:rPr lang="ru-RU" sz="4000" dirty="0" smtClean="0"/>
+              <a:t>будет</a:t>
+            </a:r>
+            <a:r>
+              <a:rPr lang="uk-UA" sz="4000" dirty="0" smtClean="0"/>
+              <a:t> </a:t>
+            </a:r>
+            <a:r>
+              <a:rPr lang="ru-RU" sz="4000" dirty="0" smtClean="0"/>
+              <a:t>своего</a:t>
+            </a:r>
+            <a:r>
+              <a:rPr lang="uk-UA" sz="4000" dirty="0" smtClean="0"/>
+              <a:t> </a:t>
+            </a:r>
+            <a:r>
+              <a:rPr lang="en-US" sz="4000" dirty="0" smtClean="0"/>
               <a:t>CSS</a:t>
             </a:r>
             <a:r>
-              <a:rPr lang="uk-UA" sz="3600" dirty="0" smtClean="0"/>
-              <a:t>-</a:t>
-            </a:r>
-            <a:r>
-              <a:rPr lang="uk-UA" sz="3600" dirty="0" err="1" smtClean="0"/>
-              <a:t>кода</a:t>
-            </a:r>
-            <a:r>
-              <a:rPr lang="ru-RU" sz="3600" dirty="0" smtClean="0"/>
-              <a:t>, тем лучше.</a:t>
-            </a:r>
-            <a:endParaRPr lang="uk-UA" sz="3600" dirty="0"/>
-          </a:p>
-        </p:txBody>
-      </p:sp>
-      <p:pic>
-        <p:nvPicPr>
-          <p:cNvPr id="2" name="Рисунок 1"/>
-          <p:cNvPicPr>
-            <a:picLocks noChangeAspect="1"/>
-          </p:cNvPicPr>
-          <p:nvPr/>
-        </p:nvPicPr>
-        <p:blipFill>
-          <a:blip r:embed="rId2"/>
-          <a:stretch>
-            <a:fillRect/>
-          </a:stretch>
-        </p:blipFill>
-        <p:spPr>
-          <a:xfrm>
-            <a:off x="0" y="11212"/>
-            <a:ext cx="5755363" cy="6846788"/>
-          </a:xfrm>
-          <a:prstGeom prst="rect">
-            <a:avLst/>
-          </a:prstGeom>
-          <a:ln>
-            <a:noFill/>
-          </a:ln>
-          <a:effectLst>
-            <a:outerShdw blurRad="190500" algn="tl" rotWithShape="0">
-              <a:srgbClr val="000000">
-                <a:alpha val="70000"/>
-              </a:srgbClr>
-            </a:outerShdw>
-          </a:effectLst>
-        </p:spPr>
-      </p:pic>
-      <p:sp>
-        <p:nvSpPr>
-          <p:cNvPr id="3" name="TextBox 2"/>
-          <p:cNvSpPr txBox="1"/>
-          <p:nvPr/>
-        </p:nvSpPr>
-        <p:spPr>
-          <a:xfrm>
-            <a:off x="6312024" y="764704"/>
-            <a:ext cx="5173211" cy="584775"/>
-          </a:xfrm>
-          <a:prstGeom prst="rect">
-            <a:avLst/>
-          </a:prstGeom>
-          <a:noFill/>
-        </p:spPr>
-        <p:txBody>
-          <a:bodyPr wrap="none" rtlCol="0">
-            <a:spAutoFit/>
-          </a:bodyPr>
-          <a:lstStyle/>
-          <a:p>
-            <a:r>
-              <a:rPr lang="ru-RU" sz="3200" b="1" dirty="0" smtClean="0"/>
-              <a:t>Дополнительная сложность</a:t>
-            </a:r>
-            <a:endParaRPr lang="ru-RU" sz="3200" b="1" dirty="0"/>
+              <a:rPr lang="ru-RU" sz="4000" dirty="0" smtClean="0"/>
+              <a:t>-кода, тем лучше.</a:t>
+            </a:r>
+            <a:endParaRPr lang="uk-UA" sz="4000" dirty="0"/>
           </a:p>
         </p:txBody>
       </p:sp>
     </p:spTree>
     <p:extLst>
       <p:ext uri="{BB962C8B-B14F-4D97-AF65-F5344CB8AC3E}">
-        <p14:creationId xmlns:p14="http://schemas.microsoft.com/office/powerpoint/2010/main" val="444304670"/>
+        <p14:creationId xmlns:p14="http://schemas.microsoft.com/office/powerpoint/2010/main" val="1243008143"/>
       </p:ext>
     </p:extLst>
   </p:cSld>
